--- a/ppt 16-9/0587.我仍要选择主耶稣.pptx
+++ b/ppt 16-9/0587.我仍要选择主耶稣.pptx
@@ -129,7 +129,7 @@
           <p:cNvPr id="2" name="标题 1">
             <a:extLst>
               <a:ext uri="{FF2B5EF4-FFF2-40B4-BE49-F238E27FC236}">
-                <a16:creationId xmlns:a16="http://schemas.microsoft.com/office/drawing/2014/main" id="{07862852-7064-92F2-59E4-B1CDE229EB87}"/>
+                <a16:creationId xmlns:a16="http://schemas.microsoft.com/office/drawing/2014/main" id="{B2005325-ABB7-A5F1-C4BC-852CC798EEB3}"/>
               </a:ext>
             </a:extLst>
           </p:cNvPr>
@@ -166,7 +166,7 @@
           <p:cNvPr id="3" name="副标题 2">
             <a:extLst>
               <a:ext uri="{FF2B5EF4-FFF2-40B4-BE49-F238E27FC236}">
-                <a16:creationId xmlns:a16="http://schemas.microsoft.com/office/drawing/2014/main" id="{7FA9EEB9-E4DA-58B7-3511-6862CC7E59DA}"/>
+                <a16:creationId xmlns:a16="http://schemas.microsoft.com/office/drawing/2014/main" id="{2C040FFA-D77D-A858-6CE9-F271C9C8A50A}"/>
               </a:ext>
             </a:extLst>
           </p:cNvPr>
@@ -236,7 +236,7 @@
           <p:cNvPr id="4" name="日期占位符 3">
             <a:extLst>
               <a:ext uri="{FF2B5EF4-FFF2-40B4-BE49-F238E27FC236}">
-                <a16:creationId xmlns:a16="http://schemas.microsoft.com/office/drawing/2014/main" id="{9030E6BA-F04B-F5BD-0EED-3C232FCAC5B3}"/>
+                <a16:creationId xmlns:a16="http://schemas.microsoft.com/office/drawing/2014/main" id="{73DF9388-6BA3-B586-673E-02807EB34DB5}"/>
               </a:ext>
             </a:extLst>
           </p:cNvPr>
@@ -252,7 +252,7 @@
           <a:bodyPr/>
           <a:lstStyle/>
           <a:p>
-            <a:fld id="{01C5B4D4-B73F-4654-8B3D-F004D93AC647}" type="datetimeFigureOut">
+            <a:fld id="{0DD9FFC4-5B93-4099-A38E-8A657451D6B0}" type="datetimeFigureOut">
               <a:rPr lang="zh-CN" altLang="en-US" smtClean="0"/>
               <a:t>2024/3/10</a:t>
             </a:fld>
@@ -265,7 +265,7 @@
           <p:cNvPr id="5" name="页脚占位符 4">
             <a:extLst>
               <a:ext uri="{FF2B5EF4-FFF2-40B4-BE49-F238E27FC236}">
-                <a16:creationId xmlns:a16="http://schemas.microsoft.com/office/drawing/2014/main" id="{A6B2A472-C571-EC4C-89BA-56CC00080C91}"/>
+                <a16:creationId xmlns:a16="http://schemas.microsoft.com/office/drawing/2014/main" id="{2D24B044-B886-DC04-1D66-9EEDA453F9D9}"/>
               </a:ext>
             </a:extLst>
           </p:cNvPr>
@@ -290,7 +290,7 @@
           <p:cNvPr id="6" name="灯片编号占位符 5">
             <a:extLst>
               <a:ext uri="{FF2B5EF4-FFF2-40B4-BE49-F238E27FC236}">
-                <a16:creationId xmlns:a16="http://schemas.microsoft.com/office/drawing/2014/main" id="{DEAA6B63-32FD-5950-B49B-88F91873F7F9}"/>
+                <a16:creationId xmlns:a16="http://schemas.microsoft.com/office/drawing/2014/main" id="{DAA1E540-85CF-2B6A-E2E9-28421CD534BF}"/>
               </a:ext>
             </a:extLst>
           </p:cNvPr>
@@ -306,7 +306,7 @@
           <a:bodyPr/>
           <a:lstStyle/>
           <a:p>
-            <a:fld id="{9DD69859-9404-409E-A2A4-B6DC7EC1C43E}" type="slidenum">
+            <a:fld id="{FAB1C3D4-2383-4142-9390-9F980ECADB67}" type="slidenum">
               <a:rPr lang="zh-CN" altLang="en-US" smtClean="0"/>
               <a:t>‹#›</a:t>
             </a:fld>
@@ -317,7 +317,7 @@
     </p:spTree>
     <p:extLst>
       <p:ext uri="{BB962C8B-B14F-4D97-AF65-F5344CB8AC3E}">
-        <p14:creationId xmlns:p14="http://schemas.microsoft.com/office/powerpoint/2010/main" val="2433924395"/>
+        <p14:creationId xmlns:p14="http://schemas.microsoft.com/office/powerpoint/2010/main" val="1625071817"/>
       </p:ext>
     </p:extLst>
   </p:cSld>
@@ -349,7 +349,7 @@
           <p:cNvPr id="2" name="标题 1">
             <a:extLst>
               <a:ext uri="{FF2B5EF4-FFF2-40B4-BE49-F238E27FC236}">
-                <a16:creationId xmlns:a16="http://schemas.microsoft.com/office/drawing/2014/main" id="{599EBBA6-AF4F-BFE9-931B-F66235EF922F}"/>
+                <a16:creationId xmlns:a16="http://schemas.microsoft.com/office/drawing/2014/main" id="{1DCE75B7-17F6-D44C-D4C3-0645C24248A2}"/>
               </a:ext>
             </a:extLst>
           </p:cNvPr>
@@ -377,7 +377,7 @@
           <p:cNvPr id="3" name="竖排文字占位符 2">
             <a:extLst>
               <a:ext uri="{FF2B5EF4-FFF2-40B4-BE49-F238E27FC236}">
-                <a16:creationId xmlns:a16="http://schemas.microsoft.com/office/drawing/2014/main" id="{6305CFBB-9D70-F2B3-F141-006DCFD24C11}"/>
+                <a16:creationId xmlns:a16="http://schemas.microsoft.com/office/drawing/2014/main" id="{2AE7AE58-20FD-EA96-101B-5DC514979278}"/>
               </a:ext>
             </a:extLst>
           </p:cNvPr>
@@ -434,7 +434,7 @@
           <p:cNvPr id="4" name="日期占位符 3">
             <a:extLst>
               <a:ext uri="{FF2B5EF4-FFF2-40B4-BE49-F238E27FC236}">
-                <a16:creationId xmlns:a16="http://schemas.microsoft.com/office/drawing/2014/main" id="{E2EAF72B-56AE-3B41-0204-927D8F341768}"/>
+                <a16:creationId xmlns:a16="http://schemas.microsoft.com/office/drawing/2014/main" id="{60C806F9-A9DB-3C90-2330-200CCB140D4D}"/>
               </a:ext>
             </a:extLst>
           </p:cNvPr>
@@ -450,7 +450,7 @@
           <a:bodyPr/>
           <a:lstStyle/>
           <a:p>
-            <a:fld id="{01C5B4D4-B73F-4654-8B3D-F004D93AC647}" type="datetimeFigureOut">
+            <a:fld id="{0DD9FFC4-5B93-4099-A38E-8A657451D6B0}" type="datetimeFigureOut">
               <a:rPr lang="zh-CN" altLang="en-US" smtClean="0"/>
               <a:t>2024/3/10</a:t>
             </a:fld>
@@ -463,7 +463,7 @@
           <p:cNvPr id="5" name="页脚占位符 4">
             <a:extLst>
               <a:ext uri="{FF2B5EF4-FFF2-40B4-BE49-F238E27FC236}">
-                <a16:creationId xmlns:a16="http://schemas.microsoft.com/office/drawing/2014/main" id="{BA636EDA-F328-E219-81DC-92826C9461F4}"/>
+                <a16:creationId xmlns:a16="http://schemas.microsoft.com/office/drawing/2014/main" id="{EC8AF0C1-C476-22E6-4408-6A711B62DEB4}"/>
               </a:ext>
             </a:extLst>
           </p:cNvPr>
@@ -488,7 +488,7 @@
           <p:cNvPr id="6" name="灯片编号占位符 5">
             <a:extLst>
               <a:ext uri="{FF2B5EF4-FFF2-40B4-BE49-F238E27FC236}">
-                <a16:creationId xmlns:a16="http://schemas.microsoft.com/office/drawing/2014/main" id="{2EA9105B-3FD7-4052-5583-50FE14E98F4C}"/>
+                <a16:creationId xmlns:a16="http://schemas.microsoft.com/office/drawing/2014/main" id="{39F125EA-B29B-D5CA-52DC-DFEA63E03343}"/>
               </a:ext>
             </a:extLst>
           </p:cNvPr>
@@ -504,7 +504,7 @@
           <a:bodyPr/>
           <a:lstStyle/>
           <a:p>
-            <a:fld id="{9DD69859-9404-409E-A2A4-B6DC7EC1C43E}" type="slidenum">
+            <a:fld id="{FAB1C3D4-2383-4142-9390-9F980ECADB67}" type="slidenum">
               <a:rPr lang="zh-CN" altLang="en-US" smtClean="0"/>
               <a:t>‹#›</a:t>
             </a:fld>
@@ -515,7 +515,7 @@
     </p:spTree>
     <p:extLst>
       <p:ext uri="{BB962C8B-B14F-4D97-AF65-F5344CB8AC3E}">
-        <p14:creationId xmlns:p14="http://schemas.microsoft.com/office/powerpoint/2010/main" val="1867566590"/>
+        <p14:creationId xmlns:p14="http://schemas.microsoft.com/office/powerpoint/2010/main" val="670317238"/>
       </p:ext>
     </p:extLst>
   </p:cSld>
@@ -547,7 +547,7 @@
           <p:cNvPr id="2" name="竖排标题 1">
             <a:extLst>
               <a:ext uri="{FF2B5EF4-FFF2-40B4-BE49-F238E27FC236}">
-                <a16:creationId xmlns:a16="http://schemas.microsoft.com/office/drawing/2014/main" id="{7519436F-B036-FBE4-C207-04D0F98156F6}"/>
+                <a16:creationId xmlns:a16="http://schemas.microsoft.com/office/drawing/2014/main" id="{6BA87CCE-E0FE-89A3-975F-3EC79C01780F}"/>
               </a:ext>
             </a:extLst>
           </p:cNvPr>
@@ -580,7 +580,7 @@
           <p:cNvPr id="3" name="竖排文字占位符 2">
             <a:extLst>
               <a:ext uri="{FF2B5EF4-FFF2-40B4-BE49-F238E27FC236}">
-                <a16:creationId xmlns:a16="http://schemas.microsoft.com/office/drawing/2014/main" id="{55BAA5FC-2368-5B10-0336-712BDE947286}"/>
+                <a16:creationId xmlns:a16="http://schemas.microsoft.com/office/drawing/2014/main" id="{62FD3048-1D01-3AD7-6D62-5BE7DB36FEF6}"/>
               </a:ext>
             </a:extLst>
           </p:cNvPr>
@@ -642,7 +642,7 @@
           <p:cNvPr id="4" name="日期占位符 3">
             <a:extLst>
               <a:ext uri="{FF2B5EF4-FFF2-40B4-BE49-F238E27FC236}">
-                <a16:creationId xmlns:a16="http://schemas.microsoft.com/office/drawing/2014/main" id="{2C42B665-1251-518A-7CA1-0C90796CEBAD}"/>
+                <a16:creationId xmlns:a16="http://schemas.microsoft.com/office/drawing/2014/main" id="{55A8594E-CF6B-B48F-0CC7-B6C43D48652F}"/>
               </a:ext>
             </a:extLst>
           </p:cNvPr>
@@ -658,7 +658,7 @@
           <a:bodyPr/>
           <a:lstStyle/>
           <a:p>
-            <a:fld id="{01C5B4D4-B73F-4654-8B3D-F004D93AC647}" type="datetimeFigureOut">
+            <a:fld id="{0DD9FFC4-5B93-4099-A38E-8A657451D6B0}" type="datetimeFigureOut">
               <a:rPr lang="zh-CN" altLang="en-US" smtClean="0"/>
               <a:t>2024/3/10</a:t>
             </a:fld>
@@ -671,7 +671,7 @@
           <p:cNvPr id="5" name="页脚占位符 4">
             <a:extLst>
               <a:ext uri="{FF2B5EF4-FFF2-40B4-BE49-F238E27FC236}">
-                <a16:creationId xmlns:a16="http://schemas.microsoft.com/office/drawing/2014/main" id="{0FB49982-3314-3EAD-C2B8-EB5A1056052B}"/>
+                <a16:creationId xmlns:a16="http://schemas.microsoft.com/office/drawing/2014/main" id="{D356F1D8-75EC-125D-7459-DFC490AC9C2E}"/>
               </a:ext>
             </a:extLst>
           </p:cNvPr>
@@ -696,7 +696,7 @@
           <p:cNvPr id="6" name="灯片编号占位符 5">
             <a:extLst>
               <a:ext uri="{FF2B5EF4-FFF2-40B4-BE49-F238E27FC236}">
-                <a16:creationId xmlns:a16="http://schemas.microsoft.com/office/drawing/2014/main" id="{EA2D6D87-1F77-C7AE-716E-185E25A47E5B}"/>
+                <a16:creationId xmlns:a16="http://schemas.microsoft.com/office/drawing/2014/main" id="{CDB41101-9B6D-B578-6793-34D714C716FD}"/>
               </a:ext>
             </a:extLst>
           </p:cNvPr>
@@ -712,7 +712,7 @@
           <a:bodyPr/>
           <a:lstStyle/>
           <a:p>
-            <a:fld id="{9DD69859-9404-409E-A2A4-B6DC7EC1C43E}" type="slidenum">
+            <a:fld id="{FAB1C3D4-2383-4142-9390-9F980ECADB67}" type="slidenum">
               <a:rPr lang="zh-CN" altLang="en-US" smtClean="0"/>
               <a:t>‹#›</a:t>
             </a:fld>
@@ -723,7 +723,7 @@
     </p:spTree>
     <p:extLst>
       <p:ext uri="{BB962C8B-B14F-4D97-AF65-F5344CB8AC3E}">
-        <p14:creationId xmlns:p14="http://schemas.microsoft.com/office/powerpoint/2010/main" val="4240529533"/>
+        <p14:creationId xmlns:p14="http://schemas.microsoft.com/office/powerpoint/2010/main" val="3025764026"/>
       </p:ext>
     </p:extLst>
   </p:cSld>
@@ -755,7 +755,7 @@
           <p:cNvPr id="2" name="标题 1">
             <a:extLst>
               <a:ext uri="{FF2B5EF4-FFF2-40B4-BE49-F238E27FC236}">
-                <a16:creationId xmlns:a16="http://schemas.microsoft.com/office/drawing/2014/main" id="{7872A726-1429-46B0-65A3-1A545BFE8363}"/>
+                <a16:creationId xmlns:a16="http://schemas.microsoft.com/office/drawing/2014/main" id="{8CC87713-268B-8034-5FC9-5C1B5DB5C29E}"/>
               </a:ext>
             </a:extLst>
           </p:cNvPr>
@@ -783,7 +783,7 @@
           <p:cNvPr id="3" name="内容占位符 2">
             <a:extLst>
               <a:ext uri="{FF2B5EF4-FFF2-40B4-BE49-F238E27FC236}">
-                <a16:creationId xmlns:a16="http://schemas.microsoft.com/office/drawing/2014/main" id="{048939EA-5179-98DD-CF9C-662FEE53E604}"/>
+                <a16:creationId xmlns:a16="http://schemas.microsoft.com/office/drawing/2014/main" id="{294CF210-9F03-D263-8EB3-50DE7DD6A14E}"/>
               </a:ext>
             </a:extLst>
           </p:cNvPr>
@@ -840,7 +840,7 @@
           <p:cNvPr id="4" name="日期占位符 3">
             <a:extLst>
               <a:ext uri="{FF2B5EF4-FFF2-40B4-BE49-F238E27FC236}">
-                <a16:creationId xmlns:a16="http://schemas.microsoft.com/office/drawing/2014/main" id="{558F1F1E-570D-4486-2F93-21D0F28E7FF7}"/>
+                <a16:creationId xmlns:a16="http://schemas.microsoft.com/office/drawing/2014/main" id="{C4AFEB71-FC1F-880D-72E4-D6009E9ED02D}"/>
               </a:ext>
             </a:extLst>
           </p:cNvPr>
@@ -856,7 +856,7 @@
           <a:bodyPr/>
           <a:lstStyle/>
           <a:p>
-            <a:fld id="{01C5B4D4-B73F-4654-8B3D-F004D93AC647}" type="datetimeFigureOut">
+            <a:fld id="{0DD9FFC4-5B93-4099-A38E-8A657451D6B0}" type="datetimeFigureOut">
               <a:rPr lang="zh-CN" altLang="en-US" smtClean="0"/>
               <a:t>2024/3/10</a:t>
             </a:fld>
@@ -869,7 +869,7 @@
           <p:cNvPr id="5" name="页脚占位符 4">
             <a:extLst>
               <a:ext uri="{FF2B5EF4-FFF2-40B4-BE49-F238E27FC236}">
-                <a16:creationId xmlns:a16="http://schemas.microsoft.com/office/drawing/2014/main" id="{6F111CDB-5D29-F8E4-1128-80F8BD28BB24}"/>
+                <a16:creationId xmlns:a16="http://schemas.microsoft.com/office/drawing/2014/main" id="{321E6FB3-0E54-A773-2D2C-4B0A69A83F96}"/>
               </a:ext>
             </a:extLst>
           </p:cNvPr>
@@ -894,7 +894,7 @@
           <p:cNvPr id="6" name="灯片编号占位符 5">
             <a:extLst>
               <a:ext uri="{FF2B5EF4-FFF2-40B4-BE49-F238E27FC236}">
-                <a16:creationId xmlns:a16="http://schemas.microsoft.com/office/drawing/2014/main" id="{4897E97F-754B-D061-2223-1022FAF887B8}"/>
+                <a16:creationId xmlns:a16="http://schemas.microsoft.com/office/drawing/2014/main" id="{B5663640-56FF-F4EE-7816-874950877C5E}"/>
               </a:ext>
             </a:extLst>
           </p:cNvPr>
@@ -910,7 +910,7 @@
           <a:bodyPr/>
           <a:lstStyle/>
           <a:p>
-            <a:fld id="{9DD69859-9404-409E-A2A4-B6DC7EC1C43E}" type="slidenum">
+            <a:fld id="{FAB1C3D4-2383-4142-9390-9F980ECADB67}" type="slidenum">
               <a:rPr lang="zh-CN" altLang="en-US" smtClean="0"/>
               <a:t>‹#›</a:t>
             </a:fld>
@@ -921,7 +921,7 @@
     </p:spTree>
     <p:extLst>
       <p:ext uri="{BB962C8B-B14F-4D97-AF65-F5344CB8AC3E}">
-        <p14:creationId xmlns:p14="http://schemas.microsoft.com/office/powerpoint/2010/main" val="4002153534"/>
+        <p14:creationId xmlns:p14="http://schemas.microsoft.com/office/powerpoint/2010/main" val="2388672370"/>
       </p:ext>
     </p:extLst>
   </p:cSld>
@@ -953,7 +953,7 @@
           <p:cNvPr id="2" name="标题 1">
             <a:extLst>
               <a:ext uri="{FF2B5EF4-FFF2-40B4-BE49-F238E27FC236}">
-                <a16:creationId xmlns:a16="http://schemas.microsoft.com/office/drawing/2014/main" id="{EC090DB0-9FF6-2A5C-11A6-4AAA14BCB5AA}"/>
+                <a16:creationId xmlns:a16="http://schemas.microsoft.com/office/drawing/2014/main" id="{178BA2AB-D3D5-7E2A-ABCC-5422E7010970}"/>
               </a:ext>
             </a:extLst>
           </p:cNvPr>
@@ -990,7 +990,7 @@
           <p:cNvPr id="3" name="文本占位符 2">
             <a:extLst>
               <a:ext uri="{FF2B5EF4-FFF2-40B4-BE49-F238E27FC236}">
-                <a16:creationId xmlns:a16="http://schemas.microsoft.com/office/drawing/2014/main" id="{1B96E77F-C13A-E2ED-D179-9B52D9A635C2}"/>
+                <a16:creationId xmlns:a16="http://schemas.microsoft.com/office/drawing/2014/main" id="{903FA9CA-BB63-051E-E63B-264B1B1621D7}"/>
               </a:ext>
             </a:extLst>
           </p:cNvPr>
@@ -1115,7 +1115,7 @@
           <p:cNvPr id="4" name="日期占位符 3">
             <a:extLst>
               <a:ext uri="{FF2B5EF4-FFF2-40B4-BE49-F238E27FC236}">
-                <a16:creationId xmlns:a16="http://schemas.microsoft.com/office/drawing/2014/main" id="{69DB12F3-B8C2-0ADF-7480-0FF4DA0B29BD}"/>
+                <a16:creationId xmlns:a16="http://schemas.microsoft.com/office/drawing/2014/main" id="{F5E74826-070B-2A38-AE77-956B9C444857}"/>
               </a:ext>
             </a:extLst>
           </p:cNvPr>
@@ -1131,7 +1131,7 @@
           <a:bodyPr/>
           <a:lstStyle/>
           <a:p>
-            <a:fld id="{01C5B4D4-B73F-4654-8B3D-F004D93AC647}" type="datetimeFigureOut">
+            <a:fld id="{0DD9FFC4-5B93-4099-A38E-8A657451D6B0}" type="datetimeFigureOut">
               <a:rPr lang="zh-CN" altLang="en-US" smtClean="0"/>
               <a:t>2024/3/10</a:t>
             </a:fld>
@@ -1144,7 +1144,7 @@
           <p:cNvPr id="5" name="页脚占位符 4">
             <a:extLst>
               <a:ext uri="{FF2B5EF4-FFF2-40B4-BE49-F238E27FC236}">
-                <a16:creationId xmlns:a16="http://schemas.microsoft.com/office/drawing/2014/main" id="{9C7CA956-2CDE-2BB0-3A2F-64267F015684}"/>
+                <a16:creationId xmlns:a16="http://schemas.microsoft.com/office/drawing/2014/main" id="{6B0A6D2D-9D2E-2600-80BB-2329661A31E7}"/>
               </a:ext>
             </a:extLst>
           </p:cNvPr>
@@ -1169,7 +1169,7 @@
           <p:cNvPr id="6" name="灯片编号占位符 5">
             <a:extLst>
               <a:ext uri="{FF2B5EF4-FFF2-40B4-BE49-F238E27FC236}">
-                <a16:creationId xmlns:a16="http://schemas.microsoft.com/office/drawing/2014/main" id="{D5A42DF1-775A-FDC4-78B3-C6A1A74D265B}"/>
+                <a16:creationId xmlns:a16="http://schemas.microsoft.com/office/drawing/2014/main" id="{0B36B604-DC80-DDCA-B1C0-6BF200D073CB}"/>
               </a:ext>
             </a:extLst>
           </p:cNvPr>
@@ -1185,7 +1185,7 @@
           <a:bodyPr/>
           <a:lstStyle/>
           <a:p>
-            <a:fld id="{9DD69859-9404-409E-A2A4-B6DC7EC1C43E}" type="slidenum">
+            <a:fld id="{FAB1C3D4-2383-4142-9390-9F980ECADB67}" type="slidenum">
               <a:rPr lang="zh-CN" altLang="en-US" smtClean="0"/>
               <a:t>‹#›</a:t>
             </a:fld>
@@ -1196,7 +1196,7 @@
     </p:spTree>
     <p:extLst>
       <p:ext uri="{BB962C8B-B14F-4D97-AF65-F5344CB8AC3E}">
-        <p14:creationId xmlns:p14="http://schemas.microsoft.com/office/powerpoint/2010/main" val="2922724164"/>
+        <p14:creationId xmlns:p14="http://schemas.microsoft.com/office/powerpoint/2010/main" val="4173295887"/>
       </p:ext>
     </p:extLst>
   </p:cSld>
@@ -1228,7 +1228,7 @@
           <p:cNvPr id="2" name="标题 1">
             <a:extLst>
               <a:ext uri="{FF2B5EF4-FFF2-40B4-BE49-F238E27FC236}">
-                <a16:creationId xmlns:a16="http://schemas.microsoft.com/office/drawing/2014/main" id="{3E1440AA-271D-E421-5099-392B9E2C2B5C}"/>
+                <a16:creationId xmlns:a16="http://schemas.microsoft.com/office/drawing/2014/main" id="{E91E0137-248C-A4F3-6D6E-9463E933E1C0}"/>
               </a:ext>
             </a:extLst>
           </p:cNvPr>
@@ -1256,7 +1256,7 @@
           <p:cNvPr id="3" name="内容占位符 2">
             <a:extLst>
               <a:ext uri="{FF2B5EF4-FFF2-40B4-BE49-F238E27FC236}">
-                <a16:creationId xmlns:a16="http://schemas.microsoft.com/office/drawing/2014/main" id="{38B9BF65-CFCA-F06C-DDF4-BE1762E74BA9}"/>
+                <a16:creationId xmlns:a16="http://schemas.microsoft.com/office/drawing/2014/main" id="{691BE479-6C64-AC27-FA08-DF56B4E9CF48}"/>
               </a:ext>
             </a:extLst>
           </p:cNvPr>
@@ -1318,7 +1318,7 @@
           <p:cNvPr id="4" name="内容占位符 3">
             <a:extLst>
               <a:ext uri="{FF2B5EF4-FFF2-40B4-BE49-F238E27FC236}">
-                <a16:creationId xmlns:a16="http://schemas.microsoft.com/office/drawing/2014/main" id="{C4E783CA-4C39-F16F-A237-9CF071C78427}"/>
+                <a16:creationId xmlns:a16="http://schemas.microsoft.com/office/drawing/2014/main" id="{2F25F889-CF66-7058-4054-E580B419C82F}"/>
               </a:ext>
             </a:extLst>
           </p:cNvPr>
@@ -1380,7 +1380,7 @@
           <p:cNvPr id="5" name="日期占位符 4">
             <a:extLst>
               <a:ext uri="{FF2B5EF4-FFF2-40B4-BE49-F238E27FC236}">
-                <a16:creationId xmlns:a16="http://schemas.microsoft.com/office/drawing/2014/main" id="{2142E281-8D92-BD1D-AE8E-7F8079C5A914}"/>
+                <a16:creationId xmlns:a16="http://schemas.microsoft.com/office/drawing/2014/main" id="{486C29FA-601C-949B-7106-5F9C94A014A1}"/>
               </a:ext>
             </a:extLst>
           </p:cNvPr>
@@ -1396,7 +1396,7 @@
           <a:bodyPr/>
           <a:lstStyle/>
           <a:p>
-            <a:fld id="{01C5B4D4-B73F-4654-8B3D-F004D93AC647}" type="datetimeFigureOut">
+            <a:fld id="{0DD9FFC4-5B93-4099-A38E-8A657451D6B0}" type="datetimeFigureOut">
               <a:rPr lang="zh-CN" altLang="en-US" smtClean="0"/>
               <a:t>2024/3/10</a:t>
             </a:fld>
@@ -1409,7 +1409,7 @@
           <p:cNvPr id="6" name="页脚占位符 5">
             <a:extLst>
               <a:ext uri="{FF2B5EF4-FFF2-40B4-BE49-F238E27FC236}">
-                <a16:creationId xmlns:a16="http://schemas.microsoft.com/office/drawing/2014/main" id="{B7BC7044-5909-BA09-4415-E575D2058AB9}"/>
+                <a16:creationId xmlns:a16="http://schemas.microsoft.com/office/drawing/2014/main" id="{12CEAE0A-37DA-1E59-ECA9-92388E047337}"/>
               </a:ext>
             </a:extLst>
           </p:cNvPr>
@@ -1434,7 +1434,7 @@
           <p:cNvPr id="7" name="灯片编号占位符 6">
             <a:extLst>
               <a:ext uri="{FF2B5EF4-FFF2-40B4-BE49-F238E27FC236}">
-                <a16:creationId xmlns:a16="http://schemas.microsoft.com/office/drawing/2014/main" id="{4369C582-0C2F-6BB8-BD04-B32B3FEBF7AE}"/>
+                <a16:creationId xmlns:a16="http://schemas.microsoft.com/office/drawing/2014/main" id="{89DC3CE2-7101-0F7A-BA36-1CCA92C9843C}"/>
               </a:ext>
             </a:extLst>
           </p:cNvPr>
@@ -1450,7 +1450,7 @@
           <a:bodyPr/>
           <a:lstStyle/>
           <a:p>
-            <a:fld id="{9DD69859-9404-409E-A2A4-B6DC7EC1C43E}" type="slidenum">
+            <a:fld id="{FAB1C3D4-2383-4142-9390-9F980ECADB67}" type="slidenum">
               <a:rPr lang="zh-CN" altLang="en-US" smtClean="0"/>
               <a:t>‹#›</a:t>
             </a:fld>
@@ -1461,7 +1461,7 @@
     </p:spTree>
     <p:extLst>
       <p:ext uri="{BB962C8B-B14F-4D97-AF65-F5344CB8AC3E}">
-        <p14:creationId xmlns:p14="http://schemas.microsoft.com/office/powerpoint/2010/main" val="94102901"/>
+        <p14:creationId xmlns:p14="http://schemas.microsoft.com/office/powerpoint/2010/main" val="1321096391"/>
       </p:ext>
     </p:extLst>
   </p:cSld>
@@ -1493,7 +1493,7 @@
           <p:cNvPr id="2" name="标题 1">
             <a:extLst>
               <a:ext uri="{FF2B5EF4-FFF2-40B4-BE49-F238E27FC236}">
-                <a16:creationId xmlns:a16="http://schemas.microsoft.com/office/drawing/2014/main" id="{08861C8E-E4A3-383D-0839-D921361C896C}"/>
+                <a16:creationId xmlns:a16="http://schemas.microsoft.com/office/drawing/2014/main" id="{79481072-CAAA-62D5-A16B-D865F6786EF7}"/>
               </a:ext>
             </a:extLst>
           </p:cNvPr>
@@ -1526,7 +1526,7 @@
           <p:cNvPr id="3" name="文本占位符 2">
             <a:extLst>
               <a:ext uri="{FF2B5EF4-FFF2-40B4-BE49-F238E27FC236}">
-                <a16:creationId xmlns:a16="http://schemas.microsoft.com/office/drawing/2014/main" id="{5DEA15A1-B8BD-969F-96FE-C5193755BA62}"/>
+                <a16:creationId xmlns:a16="http://schemas.microsoft.com/office/drawing/2014/main" id="{E1978993-5120-2417-F014-06FF010A8883}"/>
               </a:ext>
             </a:extLst>
           </p:cNvPr>
@@ -1597,7 +1597,7 @@
           <p:cNvPr id="4" name="内容占位符 3">
             <a:extLst>
               <a:ext uri="{FF2B5EF4-FFF2-40B4-BE49-F238E27FC236}">
-                <a16:creationId xmlns:a16="http://schemas.microsoft.com/office/drawing/2014/main" id="{E0CCAA04-BDCF-F6F9-5EF7-2B350AF176BC}"/>
+                <a16:creationId xmlns:a16="http://schemas.microsoft.com/office/drawing/2014/main" id="{4E88D00F-EC90-8781-BB10-DFAA3B987FCD}"/>
               </a:ext>
             </a:extLst>
           </p:cNvPr>
@@ -1659,7 +1659,7 @@
           <p:cNvPr id="5" name="文本占位符 4">
             <a:extLst>
               <a:ext uri="{FF2B5EF4-FFF2-40B4-BE49-F238E27FC236}">
-                <a16:creationId xmlns:a16="http://schemas.microsoft.com/office/drawing/2014/main" id="{9D562AB4-B125-2DE8-A1E1-FBD44CDFBE2C}"/>
+                <a16:creationId xmlns:a16="http://schemas.microsoft.com/office/drawing/2014/main" id="{20404C62-AF23-487D-33DD-B18659732333}"/>
               </a:ext>
             </a:extLst>
           </p:cNvPr>
@@ -1730,7 +1730,7 @@
           <p:cNvPr id="6" name="内容占位符 5">
             <a:extLst>
               <a:ext uri="{FF2B5EF4-FFF2-40B4-BE49-F238E27FC236}">
-                <a16:creationId xmlns:a16="http://schemas.microsoft.com/office/drawing/2014/main" id="{D45E9728-10AC-CB1E-DFC7-0BBD49B237D8}"/>
+                <a16:creationId xmlns:a16="http://schemas.microsoft.com/office/drawing/2014/main" id="{9FDA39A4-C799-6065-BDC9-9124A0ED8B90}"/>
               </a:ext>
             </a:extLst>
           </p:cNvPr>
@@ -1792,7 +1792,7 @@
           <p:cNvPr id="7" name="日期占位符 6">
             <a:extLst>
               <a:ext uri="{FF2B5EF4-FFF2-40B4-BE49-F238E27FC236}">
-                <a16:creationId xmlns:a16="http://schemas.microsoft.com/office/drawing/2014/main" id="{A3340FCA-1B5E-2EC7-6295-172FB8CCD36D}"/>
+                <a16:creationId xmlns:a16="http://schemas.microsoft.com/office/drawing/2014/main" id="{D07A71AF-93C8-9389-8518-5EDDB2EB94D2}"/>
               </a:ext>
             </a:extLst>
           </p:cNvPr>
@@ -1808,7 +1808,7 @@
           <a:bodyPr/>
           <a:lstStyle/>
           <a:p>
-            <a:fld id="{01C5B4D4-B73F-4654-8B3D-F004D93AC647}" type="datetimeFigureOut">
+            <a:fld id="{0DD9FFC4-5B93-4099-A38E-8A657451D6B0}" type="datetimeFigureOut">
               <a:rPr lang="zh-CN" altLang="en-US" smtClean="0"/>
               <a:t>2024/3/10</a:t>
             </a:fld>
@@ -1821,7 +1821,7 @@
           <p:cNvPr id="8" name="页脚占位符 7">
             <a:extLst>
               <a:ext uri="{FF2B5EF4-FFF2-40B4-BE49-F238E27FC236}">
-                <a16:creationId xmlns:a16="http://schemas.microsoft.com/office/drawing/2014/main" id="{B7885CBE-7DD5-BE95-8159-45ED7A754250}"/>
+                <a16:creationId xmlns:a16="http://schemas.microsoft.com/office/drawing/2014/main" id="{A642257F-CAC0-3326-106E-38B54EE56E60}"/>
               </a:ext>
             </a:extLst>
           </p:cNvPr>
@@ -1846,7 +1846,7 @@
           <p:cNvPr id="9" name="灯片编号占位符 8">
             <a:extLst>
               <a:ext uri="{FF2B5EF4-FFF2-40B4-BE49-F238E27FC236}">
-                <a16:creationId xmlns:a16="http://schemas.microsoft.com/office/drawing/2014/main" id="{2D5BCA03-129C-9FB9-6A80-D8DD7A6F02A2}"/>
+                <a16:creationId xmlns:a16="http://schemas.microsoft.com/office/drawing/2014/main" id="{7F4B6C1D-C552-85E4-B571-E18D694426C4}"/>
               </a:ext>
             </a:extLst>
           </p:cNvPr>
@@ -1862,7 +1862,7 @@
           <a:bodyPr/>
           <a:lstStyle/>
           <a:p>
-            <a:fld id="{9DD69859-9404-409E-A2A4-B6DC7EC1C43E}" type="slidenum">
+            <a:fld id="{FAB1C3D4-2383-4142-9390-9F980ECADB67}" type="slidenum">
               <a:rPr lang="zh-CN" altLang="en-US" smtClean="0"/>
               <a:t>‹#›</a:t>
             </a:fld>
@@ -1873,7 +1873,7 @@
     </p:spTree>
     <p:extLst>
       <p:ext uri="{BB962C8B-B14F-4D97-AF65-F5344CB8AC3E}">
-        <p14:creationId xmlns:p14="http://schemas.microsoft.com/office/powerpoint/2010/main" val="2673151474"/>
+        <p14:creationId xmlns:p14="http://schemas.microsoft.com/office/powerpoint/2010/main" val="4280227016"/>
       </p:ext>
     </p:extLst>
   </p:cSld>
@@ -1905,7 +1905,7 @@
           <p:cNvPr id="2" name="标题 1">
             <a:extLst>
               <a:ext uri="{FF2B5EF4-FFF2-40B4-BE49-F238E27FC236}">
-                <a16:creationId xmlns:a16="http://schemas.microsoft.com/office/drawing/2014/main" id="{40DEBB4F-EBC9-6946-EE4F-3C1BD4E6CCEF}"/>
+                <a16:creationId xmlns:a16="http://schemas.microsoft.com/office/drawing/2014/main" id="{9AB5C535-3D12-172D-F8E4-7568D6EDCAC0}"/>
               </a:ext>
             </a:extLst>
           </p:cNvPr>
@@ -1933,7 +1933,7 @@
           <p:cNvPr id="3" name="日期占位符 2">
             <a:extLst>
               <a:ext uri="{FF2B5EF4-FFF2-40B4-BE49-F238E27FC236}">
-                <a16:creationId xmlns:a16="http://schemas.microsoft.com/office/drawing/2014/main" id="{83ABB9B5-468D-EABB-6187-A0CB8E4CD8C4}"/>
+                <a16:creationId xmlns:a16="http://schemas.microsoft.com/office/drawing/2014/main" id="{3E02CD0D-BB63-D4E1-C01C-E336BFE8BDCD}"/>
               </a:ext>
             </a:extLst>
           </p:cNvPr>
@@ -1949,7 +1949,7 @@
           <a:bodyPr/>
           <a:lstStyle/>
           <a:p>
-            <a:fld id="{01C5B4D4-B73F-4654-8B3D-F004D93AC647}" type="datetimeFigureOut">
+            <a:fld id="{0DD9FFC4-5B93-4099-A38E-8A657451D6B0}" type="datetimeFigureOut">
               <a:rPr lang="zh-CN" altLang="en-US" smtClean="0"/>
               <a:t>2024/3/10</a:t>
             </a:fld>
@@ -1962,7 +1962,7 @@
           <p:cNvPr id="4" name="页脚占位符 3">
             <a:extLst>
               <a:ext uri="{FF2B5EF4-FFF2-40B4-BE49-F238E27FC236}">
-                <a16:creationId xmlns:a16="http://schemas.microsoft.com/office/drawing/2014/main" id="{FEEEDA6F-0721-9D3A-3BC3-01C940F9AB7C}"/>
+                <a16:creationId xmlns:a16="http://schemas.microsoft.com/office/drawing/2014/main" id="{FBBFC04E-4F5F-4F4F-975F-01304B52554B}"/>
               </a:ext>
             </a:extLst>
           </p:cNvPr>
@@ -1987,7 +1987,7 @@
           <p:cNvPr id="5" name="灯片编号占位符 4">
             <a:extLst>
               <a:ext uri="{FF2B5EF4-FFF2-40B4-BE49-F238E27FC236}">
-                <a16:creationId xmlns:a16="http://schemas.microsoft.com/office/drawing/2014/main" id="{4432226F-4302-CBAF-4011-63026C85C988}"/>
+                <a16:creationId xmlns:a16="http://schemas.microsoft.com/office/drawing/2014/main" id="{69A7588E-AD71-3000-0692-34359622F42B}"/>
               </a:ext>
             </a:extLst>
           </p:cNvPr>
@@ -2003,7 +2003,7 @@
           <a:bodyPr/>
           <a:lstStyle/>
           <a:p>
-            <a:fld id="{9DD69859-9404-409E-A2A4-B6DC7EC1C43E}" type="slidenum">
+            <a:fld id="{FAB1C3D4-2383-4142-9390-9F980ECADB67}" type="slidenum">
               <a:rPr lang="zh-CN" altLang="en-US" smtClean="0"/>
               <a:t>‹#›</a:t>
             </a:fld>
@@ -2014,7 +2014,7 @@
     </p:spTree>
     <p:extLst>
       <p:ext uri="{BB962C8B-B14F-4D97-AF65-F5344CB8AC3E}">
-        <p14:creationId xmlns:p14="http://schemas.microsoft.com/office/powerpoint/2010/main" val="3622906170"/>
+        <p14:creationId xmlns:p14="http://schemas.microsoft.com/office/powerpoint/2010/main" val="4102680336"/>
       </p:ext>
     </p:extLst>
   </p:cSld>
@@ -2046,7 +2046,7 @@
           <p:cNvPr id="2" name="日期占位符 1">
             <a:extLst>
               <a:ext uri="{FF2B5EF4-FFF2-40B4-BE49-F238E27FC236}">
-                <a16:creationId xmlns:a16="http://schemas.microsoft.com/office/drawing/2014/main" id="{C662F654-55C1-1C19-4ECD-9E0C094FE57C}"/>
+                <a16:creationId xmlns:a16="http://schemas.microsoft.com/office/drawing/2014/main" id="{2D7C6BE0-C19F-2294-D335-3CEDE221D91A}"/>
               </a:ext>
             </a:extLst>
           </p:cNvPr>
@@ -2062,7 +2062,7 @@
           <a:bodyPr/>
           <a:lstStyle/>
           <a:p>
-            <a:fld id="{01C5B4D4-B73F-4654-8B3D-F004D93AC647}" type="datetimeFigureOut">
+            <a:fld id="{0DD9FFC4-5B93-4099-A38E-8A657451D6B0}" type="datetimeFigureOut">
               <a:rPr lang="zh-CN" altLang="en-US" smtClean="0"/>
               <a:t>2024/3/10</a:t>
             </a:fld>
@@ -2075,7 +2075,7 @@
           <p:cNvPr id="3" name="页脚占位符 2">
             <a:extLst>
               <a:ext uri="{FF2B5EF4-FFF2-40B4-BE49-F238E27FC236}">
-                <a16:creationId xmlns:a16="http://schemas.microsoft.com/office/drawing/2014/main" id="{8510B374-2536-1B4D-0ED8-E17215E45F40}"/>
+                <a16:creationId xmlns:a16="http://schemas.microsoft.com/office/drawing/2014/main" id="{2EF1D5C1-58A9-8223-B57C-FE4C4C825ECD}"/>
               </a:ext>
             </a:extLst>
           </p:cNvPr>
@@ -2100,7 +2100,7 @@
           <p:cNvPr id="4" name="灯片编号占位符 3">
             <a:extLst>
               <a:ext uri="{FF2B5EF4-FFF2-40B4-BE49-F238E27FC236}">
-                <a16:creationId xmlns:a16="http://schemas.microsoft.com/office/drawing/2014/main" id="{25747E39-42F9-F7D2-4518-165D2622E8FB}"/>
+                <a16:creationId xmlns:a16="http://schemas.microsoft.com/office/drawing/2014/main" id="{695971DF-5C3E-A602-CBC4-023467E0DACE}"/>
               </a:ext>
             </a:extLst>
           </p:cNvPr>
@@ -2116,7 +2116,7 @@
           <a:bodyPr/>
           <a:lstStyle/>
           <a:p>
-            <a:fld id="{9DD69859-9404-409E-A2A4-B6DC7EC1C43E}" type="slidenum">
+            <a:fld id="{FAB1C3D4-2383-4142-9390-9F980ECADB67}" type="slidenum">
               <a:rPr lang="zh-CN" altLang="en-US" smtClean="0"/>
               <a:t>‹#›</a:t>
             </a:fld>
@@ -2127,7 +2127,7 @@
     </p:spTree>
     <p:extLst>
       <p:ext uri="{BB962C8B-B14F-4D97-AF65-F5344CB8AC3E}">
-        <p14:creationId xmlns:p14="http://schemas.microsoft.com/office/powerpoint/2010/main" val="1080856367"/>
+        <p14:creationId xmlns:p14="http://schemas.microsoft.com/office/powerpoint/2010/main" val="1111007687"/>
       </p:ext>
     </p:extLst>
   </p:cSld>
@@ -2159,7 +2159,7 @@
           <p:cNvPr id="2" name="标题 1">
             <a:extLst>
               <a:ext uri="{FF2B5EF4-FFF2-40B4-BE49-F238E27FC236}">
-                <a16:creationId xmlns:a16="http://schemas.microsoft.com/office/drawing/2014/main" id="{E553FF6D-BAF3-7FBB-11B9-F8478FA2BB7F}"/>
+                <a16:creationId xmlns:a16="http://schemas.microsoft.com/office/drawing/2014/main" id="{C4F63AEE-D350-B63F-DDED-8284DB2129FD}"/>
               </a:ext>
             </a:extLst>
           </p:cNvPr>
@@ -2196,7 +2196,7 @@
           <p:cNvPr id="3" name="内容占位符 2">
             <a:extLst>
               <a:ext uri="{FF2B5EF4-FFF2-40B4-BE49-F238E27FC236}">
-                <a16:creationId xmlns:a16="http://schemas.microsoft.com/office/drawing/2014/main" id="{5A7AE08D-A3AC-2655-E116-80D1579026F8}"/>
+                <a16:creationId xmlns:a16="http://schemas.microsoft.com/office/drawing/2014/main" id="{155635C4-54B6-3AAE-C335-CEF4955E40FA}"/>
               </a:ext>
             </a:extLst>
           </p:cNvPr>
@@ -2286,7 +2286,7 @@
           <p:cNvPr id="4" name="文本占位符 3">
             <a:extLst>
               <a:ext uri="{FF2B5EF4-FFF2-40B4-BE49-F238E27FC236}">
-                <a16:creationId xmlns:a16="http://schemas.microsoft.com/office/drawing/2014/main" id="{A8037003-6B86-CF2B-0469-8CDD9231F15A}"/>
+                <a16:creationId xmlns:a16="http://schemas.microsoft.com/office/drawing/2014/main" id="{011503D3-C3F9-EC4B-29EB-32ED22B4A70F}"/>
               </a:ext>
             </a:extLst>
           </p:cNvPr>
@@ -2357,7 +2357,7 @@
           <p:cNvPr id="5" name="日期占位符 4">
             <a:extLst>
               <a:ext uri="{FF2B5EF4-FFF2-40B4-BE49-F238E27FC236}">
-                <a16:creationId xmlns:a16="http://schemas.microsoft.com/office/drawing/2014/main" id="{606C1E4F-75A9-7053-0DF0-B10F783E7075}"/>
+                <a16:creationId xmlns:a16="http://schemas.microsoft.com/office/drawing/2014/main" id="{9DEB8F5F-ACA4-ED54-3F94-5D81401EC49D}"/>
               </a:ext>
             </a:extLst>
           </p:cNvPr>
@@ -2373,7 +2373,7 @@
           <a:bodyPr/>
           <a:lstStyle/>
           <a:p>
-            <a:fld id="{01C5B4D4-B73F-4654-8B3D-F004D93AC647}" type="datetimeFigureOut">
+            <a:fld id="{0DD9FFC4-5B93-4099-A38E-8A657451D6B0}" type="datetimeFigureOut">
               <a:rPr lang="zh-CN" altLang="en-US" smtClean="0"/>
               <a:t>2024/3/10</a:t>
             </a:fld>
@@ -2386,7 +2386,7 @@
           <p:cNvPr id="6" name="页脚占位符 5">
             <a:extLst>
               <a:ext uri="{FF2B5EF4-FFF2-40B4-BE49-F238E27FC236}">
-                <a16:creationId xmlns:a16="http://schemas.microsoft.com/office/drawing/2014/main" id="{87908460-D71B-FB89-0808-B1447FD6C272}"/>
+                <a16:creationId xmlns:a16="http://schemas.microsoft.com/office/drawing/2014/main" id="{0D2A019A-0D7B-0FFD-C39D-61821C476848}"/>
               </a:ext>
             </a:extLst>
           </p:cNvPr>
@@ -2411,7 +2411,7 @@
           <p:cNvPr id="7" name="灯片编号占位符 6">
             <a:extLst>
               <a:ext uri="{FF2B5EF4-FFF2-40B4-BE49-F238E27FC236}">
-                <a16:creationId xmlns:a16="http://schemas.microsoft.com/office/drawing/2014/main" id="{76E6329B-73DA-1400-FD8D-A10A29A52B39}"/>
+                <a16:creationId xmlns:a16="http://schemas.microsoft.com/office/drawing/2014/main" id="{C5423705-8227-B1BD-0441-5ED9A6275DD1}"/>
               </a:ext>
             </a:extLst>
           </p:cNvPr>
@@ -2427,7 +2427,7 @@
           <a:bodyPr/>
           <a:lstStyle/>
           <a:p>
-            <a:fld id="{9DD69859-9404-409E-A2A4-B6DC7EC1C43E}" type="slidenum">
+            <a:fld id="{FAB1C3D4-2383-4142-9390-9F980ECADB67}" type="slidenum">
               <a:rPr lang="zh-CN" altLang="en-US" smtClean="0"/>
               <a:t>‹#›</a:t>
             </a:fld>
@@ -2438,7 +2438,7 @@
     </p:spTree>
     <p:extLst>
       <p:ext uri="{BB962C8B-B14F-4D97-AF65-F5344CB8AC3E}">
-        <p14:creationId xmlns:p14="http://schemas.microsoft.com/office/powerpoint/2010/main" val="1813019912"/>
+        <p14:creationId xmlns:p14="http://schemas.microsoft.com/office/powerpoint/2010/main" val="742895931"/>
       </p:ext>
     </p:extLst>
   </p:cSld>
@@ -2470,7 +2470,7 @@
           <p:cNvPr id="2" name="标题 1">
             <a:extLst>
               <a:ext uri="{FF2B5EF4-FFF2-40B4-BE49-F238E27FC236}">
-                <a16:creationId xmlns:a16="http://schemas.microsoft.com/office/drawing/2014/main" id="{25878F07-CBC1-D185-5EB9-73E772690AC3}"/>
+                <a16:creationId xmlns:a16="http://schemas.microsoft.com/office/drawing/2014/main" id="{2EFDEC6C-CE78-B66F-DCC7-23A6C5788EE6}"/>
               </a:ext>
             </a:extLst>
           </p:cNvPr>
@@ -2507,7 +2507,7 @@
           <p:cNvPr id="3" name="图片占位符 2">
             <a:extLst>
               <a:ext uri="{FF2B5EF4-FFF2-40B4-BE49-F238E27FC236}">
-                <a16:creationId xmlns:a16="http://schemas.microsoft.com/office/drawing/2014/main" id="{EA7415D9-2645-50C5-ACDD-62A8146DC0DE}"/>
+                <a16:creationId xmlns:a16="http://schemas.microsoft.com/office/drawing/2014/main" id="{109CB3C1-63ED-B3FB-850A-3A8A033BC6B9}"/>
               </a:ext>
             </a:extLst>
           </p:cNvPr>
@@ -2574,7 +2574,7 @@
           <p:cNvPr id="4" name="文本占位符 3">
             <a:extLst>
               <a:ext uri="{FF2B5EF4-FFF2-40B4-BE49-F238E27FC236}">
-                <a16:creationId xmlns:a16="http://schemas.microsoft.com/office/drawing/2014/main" id="{78A3F541-D38F-313B-117F-AEE4F20FC1C7}"/>
+                <a16:creationId xmlns:a16="http://schemas.microsoft.com/office/drawing/2014/main" id="{FAF26B3B-8AB4-C8D2-773F-EA0165717B2E}"/>
               </a:ext>
             </a:extLst>
           </p:cNvPr>
@@ -2645,7 +2645,7 @@
           <p:cNvPr id="5" name="日期占位符 4">
             <a:extLst>
               <a:ext uri="{FF2B5EF4-FFF2-40B4-BE49-F238E27FC236}">
-                <a16:creationId xmlns:a16="http://schemas.microsoft.com/office/drawing/2014/main" id="{A2801260-1B28-4BC0-71AC-7BB6D54A50BA}"/>
+                <a16:creationId xmlns:a16="http://schemas.microsoft.com/office/drawing/2014/main" id="{780E018C-B5F3-E54A-9A13-502249131C25}"/>
               </a:ext>
             </a:extLst>
           </p:cNvPr>
@@ -2661,7 +2661,7 @@
           <a:bodyPr/>
           <a:lstStyle/>
           <a:p>
-            <a:fld id="{01C5B4D4-B73F-4654-8B3D-F004D93AC647}" type="datetimeFigureOut">
+            <a:fld id="{0DD9FFC4-5B93-4099-A38E-8A657451D6B0}" type="datetimeFigureOut">
               <a:rPr lang="zh-CN" altLang="en-US" smtClean="0"/>
               <a:t>2024/3/10</a:t>
             </a:fld>
@@ -2674,7 +2674,7 @@
           <p:cNvPr id="6" name="页脚占位符 5">
             <a:extLst>
               <a:ext uri="{FF2B5EF4-FFF2-40B4-BE49-F238E27FC236}">
-                <a16:creationId xmlns:a16="http://schemas.microsoft.com/office/drawing/2014/main" id="{CBB4E492-4B59-4D4E-E64F-6A495A09DCDA}"/>
+                <a16:creationId xmlns:a16="http://schemas.microsoft.com/office/drawing/2014/main" id="{9C964CF2-8BCB-DA78-3CB8-25B2C9BE7237}"/>
               </a:ext>
             </a:extLst>
           </p:cNvPr>
@@ -2699,7 +2699,7 @@
           <p:cNvPr id="7" name="灯片编号占位符 6">
             <a:extLst>
               <a:ext uri="{FF2B5EF4-FFF2-40B4-BE49-F238E27FC236}">
-                <a16:creationId xmlns:a16="http://schemas.microsoft.com/office/drawing/2014/main" id="{0A46F8D5-7AAB-A494-B72A-B3CDCAC43989}"/>
+                <a16:creationId xmlns:a16="http://schemas.microsoft.com/office/drawing/2014/main" id="{B15E7B3A-86FB-1F07-6C9F-9449EE60B42B}"/>
               </a:ext>
             </a:extLst>
           </p:cNvPr>
@@ -2715,7 +2715,7 @@
           <a:bodyPr/>
           <a:lstStyle/>
           <a:p>
-            <a:fld id="{9DD69859-9404-409E-A2A4-B6DC7EC1C43E}" type="slidenum">
+            <a:fld id="{FAB1C3D4-2383-4142-9390-9F980ECADB67}" type="slidenum">
               <a:rPr lang="zh-CN" altLang="en-US" smtClean="0"/>
               <a:t>‹#›</a:t>
             </a:fld>
@@ -2726,7 +2726,7 @@
     </p:spTree>
     <p:extLst>
       <p:ext uri="{BB962C8B-B14F-4D97-AF65-F5344CB8AC3E}">
-        <p14:creationId xmlns:p14="http://schemas.microsoft.com/office/powerpoint/2010/main" val="1963997567"/>
+        <p14:creationId xmlns:p14="http://schemas.microsoft.com/office/powerpoint/2010/main" val="2174161182"/>
       </p:ext>
     </p:extLst>
   </p:cSld>
@@ -2763,7 +2763,7 @@
           <p:cNvPr id="2" name="标题占位符 1">
             <a:extLst>
               <a:ext uri="{FF2B5EF4-FFF2-40B4-BE49-F238E27FC236}">
-                <a16:creationId xmlns:a16="http://schemas.microsoft.com/office/drawing/2014/main" id="{49D839F2-8A96-0C2E-3946-1E00AF70A42D}"/>
+                <a16:creationId xmlns:a16="http://schemas.microsoft.com/office/drawing/2014/main" id="{BEFE406C-B009-9800-40A9-5D4CE3631A21}"/>
               </a:ext>
             </a:extLst>
           </p:cNvPr>
@@ -2801,7 +2801,7 @@
           <p:cNvPr id="3" name="文本占位符 2">
             <a:extLst>
               <a:ext uri="{FF2B5EF4-FFF2-40B4-BE49-F238E27FC236}">
-                <a16:creationId xmlns:a16="http://schemas.microsoft.com/office/drawing/2014/main" id="{FF92E0C4-2A24-25A9-0E85-5F60BD52DFF1}"/>
+                <a16:creationId xmlns:a16="http://schemas.microsoft.com/office/drawing/2014/main" id="{B4CE1197-5F7D-F352-C3D7-7003138C62AA}"/>
               </a:ext>
             </a:extLst>
           </p:cNvPr>
@@ -2868,7 +2868,7 @@
           <p:cNvPr id="4" name="日期占位符 3">
             <a:extLst>
               <a:ext uri="{FF2B5EF4-FFF2-40B4-BE49-F238E27FC236}">
-                <a16:creationId xmlns:a16="http://schemas.microsoft.com/office/drawing/2014/main" id="{7F1EC9C6-FB10-E147-4572-A351BDA5C765}"/>
+                <a16:creationId xmlns:a16="http://schemas.microsoft.com/office/drawing/2014/main" id="{FD1FAC0F-467A-29FD-3B61-782352284A74}"/>
               </a:ext>
             </a:extLst>
           </p:cNvPr>
@@ -2902,7 +2902,7 @@
             </a:lvl1pPr>
           </a:lstStyle>
           <a:p>
-            <a:fld id="{01C5B4D4-B73F-4654-8B3D-F004D93AC647}" type="datetimeFigureOut">
+            <a:fld id="{0DD9FFC4-5B93-4099-A38E-8A657451D6B0}" type="datetimeFigureOut">
               <a:rPr lang="zh-CN" altLang="en-US" smtClean="0"/>
               <a:t>2024/3/10</a:t>
             </a:fld>
@@ -2915,7 +2915,7 @@
           <p:cNvPr id="5" name="页脚占位符 4">
             <a:extLst>
               <a:ext uri="{FF2B5EF4-FFF2-40B4-BE49-F238E27FC236}">
-                <a16:creationId xmlns:a16="http://schemas.microsoft.com/office/drawing/2014/main" id="{6CB172F1-CCCA-68D4-5409-F862E9DB2B7C}"/>
+                <a16:creationId xmlns:a16="http://schemas.microsoft.com/office/drawing/2014/main" id="{548EC098-C612-D7E2-2D1E-A4F57EC642C7}"/>
               </a:ext>
             </a:extLst>
           </p:cNvPr>
@@ -2958,7 +2958,7 @@
           <p:cNvPr id="6" name="灯片编号占位符 5">
             <a:extLst>
               <a:ext uri="{FF2B5EF4-FFF2-40B4-BE49-F238E27FC236}">
-                <a16:creationId xmlns:a16="http://schemas.microsoft.com/office/drawing/2014/main" id="{AC756862-D74E-99D5-2BE5-F8C40036813F}"/>
+                <a16:creationId xmlns:a16="http://schemas.microsoft.com/office/drawing/2014/main" id="{25261425-DDF9-01CF-7DBA-BF2C09A9DB3C}"/>
               </a:ext>
             </a:extLst>
           </p:cNvPr>
@@ -2992,7 +2992,7 @@
             </a:lvl1pPr>
           </a:lstStyle>
           <a:p>
-            <a:fld id="{9DD69859-9404-409E-A2A4-B6DC7EC1C43E}" type="slidenum">
+            <a:fld id="{FAB1C3D4-2383-4142-9390-9F980ECADB67}" type="slidenum">
               <a:rPr lang="zh-CN" altLang="en-US" smtClean="0"/>
               <a:t>‹#›</a:t>
             </a:fld>
@@ -3003,7 +3003,7 @@
     </p:spTree>
     <p:extLst>
       <p:ext uri="{BB962C8B-B14F-4D97-AF65-F5344CB8AC3E}">
-        <p14:creationId xmlns:p14="http://schemas.microsoft.com/office/powerpoint/2010/main" val="3412995778"/>
+        <p14:creationId xmlns:p14="http://schemas.microsoft.com/office/powerpoint/2010/main" val="561118996"/>
       </p:ext>
     </p:extLst>
   </p:cSld>
